--- a/docs/deployment_guide/images/sumo-logic-archictecure-diagram.pptx
+++ b/docs/deployment_guide/images/sumo-logic-archictecure-diagram.pptx
@@ -22744,7 +22744,7 @@
           <a:blip r:embed="rId4">
             <a:extLst>
               <a:ext uri="{96DAC541-7B7A-43D3-8B79-37D633B846F1}">
-                <asvg:svgBlip xmlns:asvg="http://schemas.microsoft.com/office/drawing/2016/SVG/main" r:embed="rId5"/>
+                <asvg:svgBlip xmlns:asvg="http://schemas.microsoft.com/office/drawing/2016/SVG/main" xmlns="" r:embed="rId5"/>
               </a:ext>
             </a:extLst>
           </a:blip>
@@ -22816,7 +22816,7 @@
           <a:blip r:embed="rId6">
             <a:extLst>
               <a:ext uri="{96DAC541-7B7A-43D3-8B79-37D633B846F1}">
-                <asvg:svgBlip xmlns:asvg="http://schemas.microsoft.com/office/drawing/2016/SVG/main" r:embed="rId7"/>
+                <asvg:svgBlip xmlns:asvg="http://schemas.microsoft.com/office/drawing/2016/SVG/main" xmlns="" r:embed="rId7"/>
               </a:ext>
             </a:extLst>
           </a:blip>
@@ -22896,7 +22896,7 @@
           <a:blip r:embed="rId8">
             <a:extLst>
               <a:ext uri="{96DAC541-7B7A-43D3-8B79-37D633B846F1}">
-                <asvg:svgBlip xmlns:asvg="http://schemas.microsoft.com/office/drawing/2016/SVG/main" r:embed="rId9"/>
+                <asvg:svgBlip xmlns:asvg="http://schemas.microsoft.com/office/drawing/2016/SVG/main" xmlns="" r:embed="rId9"/>
               </a:ext>
             </a:extLst>
           </a:blip>
@@ -22968,7 +22968,7 @@
           <a:blip r:embed="rId10">
             <a:extLst>
               <a:ext uri="{96DAC541-7B7A-43D3-8B79-37D633B846F1}">
-                <asvg:svgBlip xmlns:asvg="http://schemas.microsoft.com/office/drawing/2016/SVG/main" r:embed="rId11"/>
+                <asvg:svgBlip xmlns:asvg="http://schemas.microsoft.com/office/drawing/2016/SVG/main" xmlns="" r:embed="rId11"/>
               </a:ext>
             </a:extLst>
           </a:blip>
@@ -23040,7 +23040,7 @@
           <a:blip r:embed="rId12">
             <a:extLst>
               <a:ext uri="{96DAC541-7B7A-43D3-8B79-37D633B846F1}">
-                <asvg:svgBlip xmlns:asvg="http://schemas.microsoft.com/office/drawing/2016/SVG/main" r:embed="rId13"/>
+                <asvg:svgBlip xmlns:asvg="http://schemas.microsoft.com/office/drawing/2016/SVG/main" xmlns="" r:embed="rId13"/>
               </a:ext>
             </a:extLst>
           </a:blip>
@@ -23058,248 +23058,6 @@
           </a:prstGeom>
         </p:spPr>
       </p:pic>
-      <p:sp>
-        <p:nvSpPr>
-          <p:cNvPr id="271" name="TextBox 270">
-            <a:extLst>
-              <a:ext uri="{FF2B5EF4-FFF2-40B4-BE49-F238E27FC236}">
-                <a16:creationId xmlns:a16="http://schemas.microsoft.com/office/drawing/2014/main" id="{00A02392-8B1A-E94C-826A-23B684074EB7}"/>
-              </a:ext>
-            </a:extLst>
-          </p:cNvPr>
-          <p:cNvSpPr txBox="1"/>
-          <p:nvPr/>
-        </p:nvSpPr>
-        <p:spPr>
-          <a:xfrm>
-            <a:off x="4977267" y="4192206"/>
-            <a:ext cx="1761064" cy="307777"/>
-          </a:xfrm>
-          <a:prstGeom prst="rect">
-            <a:avLst/>
-          </a:prstGeom>
-          <a:noFill/>
-        </p:spPr>
-        <p:txBody>
-          <a:bodyPr wrap="square" rtlCol="0">
-            <a:spAutoFit/>
-          </a:bodyPr>
-          <a:lstStyle/>
-          <a:p>
-            <a:pPr algn="ctr"/>
-            <a:r>
-              <a:rPr lang="en-US" sz="1400" dirty="0"/>
-              <a:t>AWS Security Hub </a:t>
-            </a:r>
-          </a:p>
-        </p:txBody>
-      </p:sp>
-      <p:pic>
-        <p:nvPicPr>
-          <p:cNvPr id="282" name="Graphic 35">
-            <a:extLst>
-              <a:ext uri="{FF2B5EF4-FFF2-40B4-BE49-F238E27FC236}">
-                <a16:creationId xmlns:a16="http://schemas.microsoft.com/office/drawing/2014/main" id="{522E9833-29B0-9A41-9778-F6EB35FBAD88}"/>
-              </a:ext>
-            </a:extLst>
-          </p:cNvPr>
-          <p:cNvPicPr>
-            <a:picLocks noChangeAspect="1"/>
-          </p:cNvPicPr>
-          <p:nvPr/>
-        </p:nvPicPr>
-        <p:blipFill>
-          <a:blip r:embed="rId14">
-            <a:extLst>
-              <a:ext uri="{96DAC541-7B7A-43D3-8B79-37D633B846F1}">
-                <asvg:svgBlip xmlns:asvg="http://schemas.microsoft.com/office/drawing/2016/SVG/main" r:embed="rId15"/>
-              </a:ext>
-            </a:extLst>
-          </a:blip>
-          <a:stretch>
-            <a:fillRect/>
-          </a:stretch>
-        </p:blipFill>
-        <p:spPr>
-          <a:xfrm>
-            <a:off x="5509454" y="3471134"/>
-            <a:ext cx="711200" cy="711200"/>
-          </a:xfrm>
-          <a:prstGeom prst="rect">
-            <a:avLst/>
-          </a:prstGeom>
-        </p:spPr>
-      </p:pic>
-      <p:sp>
-        <p:nvSpPr>
-          <p:cNvPr id="283" name="TextBox 282">
-            <a:extLst>
-              <a:ext uri="{FF2B5EF4-FFF2-40B4-BE49-F238E27FC236}">
-                <a16:creationId xmlns:a16="http://schemas.microsoft.com/office/drawing/2014/main" id="{D7ECF936-B8F2-B944-B1E5-0DC7D3F9AAB9}"/>
-              </a:ext>
-            </a:extLst>
-          </p:cNvPr>
-          <p:cNvSpPr txBox="1"/>
-          <p:nvPr/>
-        </p:nvSpPr>
-        <p:spPr>
-          <a:xfrm>
-            <a:off x="5287207" y="5589196"/>
-            <a:ext cx="1114930" cy="307777"/>
-          </a:xfrm>
-          <a:prstGeom prst="rect">
-            <a:avLst/>
-          </a:prstGeom>
-          <a:noFill/>
-        </p:spPr>
-        <p:txBody>
-          <a:bodyPr wrap="square" rtlCol="0">
-            <a:spAutoFit/>
-          </a:bodyPr>
-          <a:lstStyle/>
-          <a:p>
-            <a:pPr algn="ctr"/>
-            <a:r>
-              <a:rPr lang="en-US" sz="1400" dirty="0"/>
-              <a:t>AWS WAF</a:t>
-            </a:r>
-          </a:p>
-        </p:txBody>
-      </p:sp>
-      <p:pic>
-        <p:nvPicPr>
-          <p:cNvPr id="284" name="Graphic 26">
-            <a:extLst>
-              <a:ext uri="{FF2B5EF4-FFF2-40B4-BE49-F238E27FC236}">
-                <a16:creationId xmlns:a16="http://schemas.microsoft.com/office/drawing/2014/main" id="{6474A222-3CF8-3F41-AB6E-29E3FCA4874B}"/>
-              </a:ext>
-            </a:extLst>
-          </p:cNvPr>
-          <p:cNvPicPr>
-            <a:picLocks noChangeAspect="1"/>
-          </p:cNvPicPr>
-          <p:nvPr/>
-        </p:nvPicPr>
-        <p:blipFill>
-          <a:blip r:embed="rId16">
-            <a:extLst>
-              <a:ext uri="{96DAC541-7B7A-43D3-8B79-37D633B846F1}">
-                <asvg:svgBlip xmlns:asvg="http://schemas.microsoft.com/office/drawing/2016/SVG/main" r:embed="rId17"/>
-              </a:ext>
-            </a:extLst>
-          </a:blip>
-          <a:stretch>
-            <a:fillRect/>
-          </a:stretch>
-        </p:blipFill>
-        <p:spPr>
-          <a:xfrm>
-            <a:off x="5486400" y="4881708"/>
-            <a:ext cx="711200" cy="711200"/>
-          </a:xfrm>
-          <a:prstGeom prst="rect">
-            <a:avLst/>
-          </a:prstGeom>
-        </p:spPr>
-      </p:pic>
-      <p:pic>
-        <p:nvPicPr>
-          <p:cNvPr id="325" name="Graphic 30">
-            <a:extLst>
-              <a:ext uri="{FF2B5EF4-FFF2-40B4-BE49-F238E27FC236}">
-                <a16:creationId xmlns:a16="http://schemas.microsoft.com/office/drawing/2014/main" id="{DC4B2193-33A6-EA4C-956F-FD9AE94BFD9A}"/>
-              </a:ext>
-            </a:extLst>
-          </p:cNvPr>
-          <p:cNvPicPr>
-            <a:picLocks noChangeAspect="1"/>
-          </p:cNvPicPr>
-          <p:nvPr/>
-        </p:nvPicPr>
-        <p:blipFill>
-          <a:blip r:embed="rId18">
-            <a:extLst>
-              <a:ext uri="{96DAC541-7B7A-43D3-8B79-37D633B846F1}">
-                <asvg:svgBlip xmlns:asvg="http://schemas.microsoft.com/office/drawing/2016/SVG/main" r:embed="rId19"/>
-              </a:ext>
-            </a:extLst>
-          </a:blip>
-          <a:stretch>
-            <a:fillRect/>
-          </a:stretch>
-        </p:blipFill>
-        <p:spPr>
-          <a:xfrm>
-            <a:off x="7823549" y="4895307"/>
-            <a:ext cx="711200" cy="711200"/>
-          </a:xfrm>
-          <a:prstGeom prst="rect">
-            <a:avLst/>
-          </a:prstGeom>
-        </p:spPr>
-      </p:pic>
-      <p:sp>
-        <p:nvSpPr>
-          <p:cNvPr id="334" name="TextBox 333">
-            <a:extLst>
-              <a:ext uri="{FF2B5EF4-FFF2-40B4-BE49-F238E27FC236}">
-                <a16:creationId xmlns:a16="http://schemas.microsoft.com/office/drawing/2014/main" id="{6A476A02-DDF3-514A-90EA-AE212CA88402}"/>
-              </a:ext>
-            </a:extLst>
-          </p:cNvPr>
-          <p:cNvSpPr txBox="1"/>
-          <p:nvPr/>
-        </p:nvSpPr>
-        <p:spPr>
-          <a:xfrm>
-            <a:off x="7000162" y="5614377"/>
-            <a:ext cx="2353955" cy="523220"/>
-          </a:xfrm>
-          <a:prstGeom prst="rect">
-            <a:avLst/>
-          </a:prstGeom>
-          <a:noFill/>
-        </p:spPr>
-        <p:txBody>
-          <a:bodyPr wrap="square" rtlCol="0">
-            <a:spAutoFit/>
-          </a:bodyPr>
-          <a:lstStyle/>
-          <a:p>
-            <a:pPr algn="ctr"/>
-            <a:r>
-              <a:rPr lang="en-US" sz="1400" dirty="0">
-                <a:solidFill>
-                  <a:srgbClr val="000000"/>
-                </a:solidFill>
-                <a:latin typeface="+mj-lt"/>
-                <a:ea typeface="Amazon Ember" panose="020B0603020204020204" pitchFamily="34" charset="0"/>
-                <a:cs typeface="Amazon Ember" panose="020B0603020204020204" pitchFamily="34" charset="0"/>
-              </a:rPr>
-              <a:t>Amazon Kinesis</a:t>
-            </a:r>
-          </a:p>
-          <a:p>
-            <a:pPr algn="ctr"/>
-            <a:r>
-              <a:rPr lang="en-US" sz="1400" dirty="0">
-                <a:solidFill>
-                  <a:srgbClr val="000000"/>
-                </a:solidFill>
-                <a:latin typeface="+mj-lt"/>
-                <a:ea typeface="Amazon Ember" panose="020B0603020204020204" pitchFamily="34" charset="0"/>
-                <a:cs typeface="Amazon Ember" panose="020B0603020204020204" pitchFamily="34" charset="0"/>
-              </a:rPr>
-              <a:t>Data Firehose</a:t>
-            </a:r>
-            <a:endParaRPr lang="en-US" sz="1400" dirty="0">
-              <a:latin typeface="+mj-lt"/>
-              <a:ea typeface="Amazon Ember" panose="020B0603020204020204" pitchFamily="34" charset="0"/>
-              <a:cs typeface="Amazon Ember" panose="020B0603020204020204" pitchFamily="34" charset="0"/>
-            </a:endParaRPr>
-          </a:p>
-        </p:txBody>
-      </p:sp>
       <p:sp>
         <p:nvSpPr>
           <p:cNvPr id="335" name="TextBox 334">
@@ -23370,10 +23128,10 @@
           <p:nvPr/>
         </p:nvPicPr>
         <p:blipFill>
-          <a:blip r:embed="rId20">
+          <a:blip r:embed="rId14">
             <a:extLst>
               <a:ext uri="{96DAC541-7B7A-43D3-8B79-37D633B846F1}">
-                <asvg:svgBlip xmlns:asvg="http://schemas.microsoft.com/office/drawing/2016/SVG/main" r:embed="rId21"/>
+                <asvg:svgBlip xmlns:asvg="http://schemas.microsoft.com/office/drawing/2016/SVG/main" xmlns="" r:embed="rId21"/>
               </a:ext>
             </a:extLst>
           </a:blip>
@@ -23449,7 +23207,7 @@
           <a:blip r:embed="rId22">
             <a:extLst>
               <a:ext uri="{96DAC541-7B7A-43D3-8B79-37D633B846F1}">
-                <asvg:svgBlip xmlns:asvg="http://schemas.microsoft.com/office/drawing/2016/SVG/main" r:embed="rId23"/>
+                <asvg:svgBlip xmlns:asvg="http://schemas.microsoft.com/office/drawing/2016/SVG/main" xmlns="" r:embed="rId23"/>
               </a:ext>
             </a:extLst>
           </a:blip>
@@ -23924,141 +23682,238 @@
           </a:fontRef>
         </p:style>
       </p:cxnSp>
-      <p:sp>
-        <p:nvSpPr>
-          <p:cNvPr id="442" name="Freeform 441">
-            <a:extLst>
-              <a:ext uri="{FF2B5EF4-FFF2-40B4-BE49-F238E27FC236}">
-                <a16:creationId xmlns:a16="http://schemas.microsoft.com/office/drawing/2014/main" id="{6A36F504-6F0E-944F-ADF2-81AD3041E834}"/>
-              </a:ext>
-            </a:extLst>
-          </p:cNvPr>
-          <p:cNvSpPr/>
+      <p:grpSp>
+        <p:nvGrpSpPr>
+          <p:cNvPr id="5" name="Group 4"/>
+          <p:cNvGrpSpPr/>
           <p:nvPr/>
-        </p:nvSpPr>
-        <p:spPr>
-          <a:xfrm rot="16200000" flipV="1">
-            <a:off x="8838715" y="4942910"/>
-            <a:ext cx="1273482" cy="1881417"/>
+        </p:nvGrpSpPr>
+        <p:grpSpPr>
+          <a:xfrm>
+            <a:off x="5289225" y="3391236"/>
+            <a:ext cx="4066910" cy="1255889"/>
+            <a:chOff x="5287207" y="4881708"/>
+            <a:chExt cx="4066910" cy="1255889"/>
           </a:xfrm>
-          <a:custGeom>
-            <a:avLst/>
-            <a:gdLst>
-              <a:gd name="connsiteX0" fmla="*/ 1371600 w 1371600"/>
-              <a:gd name="connsiteY0" fmla="*/ 711200 h 711200"/>
-              <a:gd name="connsiteX1" fmla="*/ 1371600 w 1371600"/>
-              <a:gd name="connsiteY1" fmla="*/ 0 h 711200"/>
-              <a:gd name="connsiteX2" fmla="*/ 0 w 1371600"/>
-              <a:gd name="connsiteY2" fmla="*/ 0 h 711200"/>
-            </a:gdLst>
-            <a:ahLst/>
-            <a:cxnLst>
-              <a:cxn ang="0">
-                <a:pos x="connsiteX0" y="connsiteY0"/>
-              </a:cxn>
-              <a:cxn ang="0">
-                <a:pos x="connsiteX1" y="connsiteY1"/>
-              </a:cxn>
-              <a:cxn ang="0">
-                <a:pos x="connsiteX2" y="connsiteY2"/>
-              </a:cxn>
-            </a:cxnLst>
-            <a:rect l="l" t="t" r="r" b="b"/>
-            <a:pathLst>
-              <a:path w="1371600" h="711200">
-                <a:moveTo>
-                  <a:pt x="1371600" y="711200"/>
-                </a:moveTo>
-                <a:lnTo>
-                  <a:pt x="1371600" y="0"/>
-                </a:lnTo>
-                <a:lnTo>
-                  <a:pt x="0" y="0"/>
-                </a:lnTo>
-              </a:path>
-            </a:pathLst>
-          </a:custGeom>
-          <a:noFill/>
-          <a:ln w="12700">
-            <a:solidFill>
-              <a:srgbClr val="545B64"/>
-            </a:solidFill>
-            <a:headEnd type="none" w="med" len="sm"/>
-            <a:tailEnd type="arrow" w="med" len="sm"/>
-          </a:ln>
-        </p:spPr>
-        <p:style>
-          <a:lnRef idx="2">
-            <a:schemeClr val="accent1">
-              <a:shade val="50000"/>
-            </a:schemeClr>
-          </a:lnRef>
-          <a:fillRef idx="1">
-            <a:schemeClr val="accent1"/>
-          </a:fillRef>
-          <a:effectRef idx="0">
-            <a:schemeClr val="accent1"/>
-          </a:effectRef>
-          <a:fontRef idx="minor">
-            <a:schemeClr val="lt1"/>
-          </a:fontRef>
-        </p:style>
-        <p:txBody>
-          <a:bodyPr rtlCol="0" anchor="ctr"/>
-          <a:lstStyle/>
-          <a:p>
-            <a:pPr algn="ctr"/>
-            <a:endParaRPr lang="en-US"/>
-          </a:p>
-        </p:txBody>
-      </p:sp>
-      <p:cxnSp>
-        <p:nvCxnSpPr>
-          <p:cNvPr id="450" name="Straight Arrow Connector 449">
-            <a:extLst>
-              <a:ext uri="{FF2B5EF4-FFF2-40B4-BE49-F238E27FC236}">
-                <a16:creationId xmlns:a16="http://schemas.microsoft.com/office/drawing/2014/main" id="{21BBC288-5AFD-AB40-A3F3-F427E49EB12C}"/>
-              </a:ext>
-            </a:extLst>
-          </p:cNvPr>
-          <p:cNvCxnSpPr>
-            <a:cxnSpLocks/>
-            <a:stCxn id="284" idx="3"/>
-            <a:endCxn id="325" idx="1"/>
-          </p:cNvCxnSpPr>
-          <p:nvPr/>
-        </p:nvCxnSpPr>
-        <p:spPr>
-          <a:xfrm>
-            <a:off x="6197600" y="5237308"/>
-            <a:ext cx="1625949" cy="13599"/>
-          </a:xfrm>
-          <a:prstGeom prst="straightConnector1">
-            <a:avLst/>
-          </a:prstGeom>
-          <a:ln w="12700">
-            <a:solidFill>
-              <a:srgbClr val="545B64"/>
-            </a:solidFill>
-            <a:headEnd type="none" w="med" len="sm"/>
-            <a:tailEnd type="arrow" w="med" len="sm"/>
-          </a:ln>
-        </p:spPr>
-        <p:style>
-          <a:lnRef idx="1">
-            <a:schemeClr val="accent1"/>
-          </a:lnRef>
-          <a:fillRef idx="0">
-            <a:schemeClr val="accent1"/>
-          </a:fillRef>
-          <a:effectRef idx="0">
-            <a:schemeClr val="accent1"/>
-          </a:effectRef>
-          <a:fontRef idx="minor">
-            <a:schemeClr val="tx1"/>
-          </a:fontRef>
-        </p:style>
-      </p:cxnSp>
+        </p:grpSpPr>
+        <p:sp>
+          <p:nvSpPr>
+            <p:cNvPr id="283" name="TextBox 282">
+              <a:extLst>
+                <a:ext uri="{FF2B5EF4-FFF2-40B4-BE49-F238E27FC236}">
+                  <a16:creationId xmlns:a16="http://schemas.microsoft.com/office/drawing/2014/main" id="{D7ECF936-B8F2-B944-B1E5-0DC7D3F9AAB9}"/>
+                </a:ext>
+              </a:extLst>
+            </p:cNvPr>
+            <p:cNvSpPr txBox="1"/>
+            <p:nvPr/>
+          </p:nvSpPr>
+          <p:spPr>
+            <a:xfrm>
+              <a:off x="5287207" y="5589196"/>
+              <a:ext cx="1114930" cy="307777"/>
+            </a:xfrm>
+            <a:prstGeom prst="rect">
+              <a:avLst/>
+            </a:prstGeom>
+            <a:noFill/>
+          </p:spPr>
+          <p:txBody>
+            <a:bodyPr wrap="square" rtlCol="0">
+              <a:spAutoFit/>
+            </a:bodyPr>
+            <a:lstStyle/>
+            <a:p>
+              <a:pPr algn="ctr"/>
+              <a:r>
+                <a:rPr lang="en-US" sz="1400" dirty="0"/>
+                <a:t>AWS WAF</a:t>
+              </a:r>
+            </a:p>
+          </p:txBody>
+        </p:sp>
+        <p:pic>
+          <p:nvPicPr>
+            <p:cNvPr id="284" name="Graphic 26">
+              <a:extLst>
+                <a:ext uri="{FF2B5EF4-FFF2-40B4-BE49-F238E27FC236}">
+                  <a16:creationId xmlns:a16="http://schemas.microsoft.com/office/drawing/2014/main" id="{6474A222-3CF8-3F41-AB6E-29E3FCA4874B}"/>
+                </a:ext>
+              </a:extLst>
+            </p:cNvPr>
+            <p:cNvPicPr>
+              <a:picLocks noChangeAspect="1"/>
+            </p:cNvPicPr>
+            <p:nvPr/>
+          </p:nvPicPr>
+          <p:blipFill>
+            <a:blip r:embed="rId24">
+              <a:extLst>
+                <a:ext uri="{96DAC541-7B7A-43D3-8B79-37D633B846F1}">
+                  <asvg:svgBlip xmlns:asvg="http://schemas.microsoft.com/office/drawing/2016/SVG/main" xmlns="" r:embed="rId17"/>
+                </a:ext>
+              </a:extLst>
+            </a:blip>
+            <a:stretch>
+              <a:fillRect/>
+            </a:stretch>
+          </p:blipFill>
+          <p:spPr>
+            <a:xfrm>
+              <a:off x="5486400" y="4881708"/>
+              <a:ext cx="711200" cy="711200"/>
+            </a:xfrm>
+            <a:prstGeom prst="rect">
+              <a:avLst/>
+            </a:prstGeom>
+          </p:spPr>
+        </p:pic>
+        <p:pic>
+          <p:nvPicPr>
+            <p:cNvPr id="325" name="Graphic 30">
+              <a:extLst>
+                <a:ext uri="{FF2B5EF4-FFF2-40B4-BE49-F238E27FC236}">
+                  <a16:creationId xmlns:a16="http://schemas.microsoft.com/office/drawing/2014/main" id="{DC4B2193-33A6-EA4C-956F-FD9AE94BFD9A}"/>
+                </a:ext>
+              </a:extLst>
+            </p:cNvPr>
+            <p:cNvPicPr>
+              <a:picLocks noChangeAspect="1"/>
+            </p:cNvPicPr>
+            <p:nvPr/>
+          </p:nvPicPr>
+          <p:blipFill>
+            <a:blip r:embed="rId25">
+              <a:extLst>
+                <a:ext uri="{96DAC541-7B7A-43D3-8B79-37D633B846F1}">
+                  <asvg:svgBlip xmlns:asvg="http://schemas.microsoft.com/office/drawing/2016/SVG/main" xmlns="" r:embed="rId19"/>
+                </a:ext>
+              </a:extLst>
+            </a:blip>
+            <a:stretch>
+              <a:fillRect/>
+            </a:stretch>
+          </p:blipFill>
+          <p:spPr>
+            <a:xfrm>
+              <a:off x="7823549" y="4895307"/>
+              <a:ext cx="711200" cy="711200"/>
+            </a:xfrm>
+            <a:prstGeom prst="rect">
+              <a:avLst/>
+            </a:prstGeom>
+          </p:spPr>
+        </p:pic>
+        <p:sp>
+          <p:nvSpPr>
+            <p:cNvPr id="334" name="TextBox 333">
+              <a:extLst>
+                <a:ext uri="{FF2B5EF4-FFF2-40B4-BE49-F238E27FC236}">
+                  <a16:creationId xmlns:a16="http://schemas.microsoft.com/office/drawing/2014/main" id="{6A476A02-DDF3-514A-90EA-AE212CA88402}"/>
+                </a:ext>
+              </a:extLst>
+            </p:cNvPr>
+            <p:cNvSpPr txBox="1"/>
+            <p:nvPr/>
+          </p:nvSpPr>
+          <p:spPr>
+            <a:xfrm>
+              <a:off x="7000162" y="5614377"/>
+              <a:ext cx="2353955" cy="523220"/>
+            </a:xfrm>
+            <a:prstGeom prst="rect">
+              <a:avLst/>
+            </a:prstGeom>
+            <a:noFill/>
+          </p:spPr>
+          <p:txBody>
+            <a:bodyPr wrap="square" rtlCol="0">
+              <a:spAutoFit/>
+            </a:bodyPr>
+            <a:lstStyle/>
+            <a:p>
+              <a:pPr algn="ctr"/>
+              <a:r>
+                <a:rPr lang="en-US" sz="1400" dirty="0">
+                  <a:solidFill>
+                    <a:srgbClr val="000000"/>
+                  </a:solidFill>
+                  <a:latin typeface="+mj-lt"/>
+                  <a:ea typeface="Amazon Ember" panose="020B0603020204020204" pitchFamily="34" charset="0"/>
+                  <a:cs typeface="Amazon Ember" panose="020B0603020204020204" pitchFamily="34" charset="0"/>
+                </a:rPr>
+                <a:t>Amazon Kinesis</a:t>
+              </a:r>
+            </a:p>
+            <a:p>
+              <a:pPr algn="ctr"/>
+              <a:r>
+                <a:rPr lang="en-US" sz="1400" dirty="0">
+                  <a:solidFill>
+                    <a:srgbClr val="000000"/>
+                  </a:solidFill>
+                  <a:latin typeface="+mj-lt"/>
+                  <a:ea typeface="Amazon Ember" panose="020B0603020204020204" pitchFamily="34" charset="0"/>
+                  <a:cs typeface="Amazon Ember" panose="020B0603020204020204" pitchFamily="34" charset="0"/>
+                </a:rPr>
+                <a:t>Data Firehose</a:t>
+              </a:r>
+              <a:endParaRPr lang="en-US" sz="1400" dirty="0">
+                <a:latin typeface="+mj-lt"/>
+                <a:ea typeface="Amazon Ember" panose="020B0603020204020204" pitchFamily="34" charset="0"/>
+                <a:cs typeface="Amazon Ember" panose="020B0603020204020204" pitchFamily="34" charset="0"/>
+              </a:endParaRPr>
+            </a:p>
+          </p:txBody>
+        </p:sp>
+        <p:cxnSp>
+          <p:nvCxnSpPr>
+            <p:cNvPr id="450" name="Straight Arrow Connector 449">
+              <a:extLst>
+                <a:ext uri="{FF2B5EF4-FFF2-40B4-BE49-F238E27FC236}">
+                  <a16:creationId xmlns:a16="http://schemas.microsoft.com/office/drawing/2014/main" id="{21BBC288-5AFD-AB40-A3F3-F427E49EB12C}"/>
+                </a:ext>
+              </a:extLst>
+            </p:cNvPr>
+            <p:cNvCxnSpPr>
+              <a:cxnSpLocks/>
+              <a:stCxn id="284" idx="3"/>
+              <a:endCxn id="325" idx="1"/>
+            </p:cNvCxnSpPr>
+            <p:nvPr/>
+          </p:nvCxnSpPr>
+          <p:spPr>
+            <a:xfrm>
+              <a:off x="6197600" y="5237308"/>
+              <a:ext cx="1625949" cy="13599"/>
+            </a:xfrm>
+            <a:prstGeom prst="straightConnector1">
+              <a:avLst/>
+            </a:prstGeom>
+            <a:ln w="12700">
+              <a:solidFill>
+                <a:srgbClr val="545B64"/>
+              </a:solidFill>
+              <a:headEnd type="none" w="med" len="sm"/>
+              <a:tailEnd type="arrow" w="med" len="sm"/>
+            </a:ln>
+          </p:spPr>
+          <p:style>
+            <a:lnRef idx="1">
+              <a:schemeClr val="accent1"/>
+            </a:lnRef>
+            <a:fillRef idx="0">
+              <a:schemeClr val="accent1"/>
+            </a:fillRef>
+            <a:effectRef idx="0">
+              <a:schemeClr val="accent1"/>
+            </a:effectRef>
+            <a:fontRef idx="minor">
+              <a:schemeClr val="tx1"/>
+            </a:fontRef>
+          </p:style>
+        </p:cxnSp>
+      </p:grpSp>
       <p:cxnSp>
         <p:nvCxnSpPr>
           <p:cNvPr id="86" name="Elbow Connector 85">
@@ -24105,170 +23960,211 @@
           </a:fontRef>
         </p:style>
       </p:cxnSp>
-      <p:sp>
-        <p:nvSpPr>
-          <p:cNvPr id="91" name="TextBox 90">
-            <a:extLst>
-              <a:ext uri="{FF2B5EF4-FFF2-40B4-BE49-F238E27FC236}">
-                <a16:creationId xmlns:a16="http://schemas.microsoft.com/office/drawing/2014/main" id="{3459B608-8BEA-3341-BBBE-FB5C911C59BF}"/>
-              </a:ext>
-            </a:extLst>
-          </p:cNvPr>
-          <p:cNvSpPr txBox="1"/>
+      <p:grpSp>
+        <p:nvGrpSpPr>
+          <p:cNvPr id="6" name="Group 5"/>
+          <p:cNvGrpSpPr/>
           <p:nvPr/>
-        </p:nvSpPr>
-        <p:spPr>
+        </p:nvGrpSpPr>
+        <p:grpSpPr>
           <a:xfrm>
-            <a:off x="6998541" y="4193828"/>
-            <a:ext cx="2301904" cy="307777"/>
+            <a:off x="4971636" y="4694470"/>
+            <a:ext cx="4323178" cy="1034929"/>
+            <a:chOff x="4977267" y="3466676"/>
+            <a:chExt cx="4323178" cy="1034929"/>
           </a:xfrm>
-          <a:prstGeom prst="rect">
-            <a:avLst/>
-          </a:prstGeom>
-          <a:noFill/>
-        </p:spPr>
-        <p:txBody>
-          <a:bodyPr wrap="square" rtlCol="0">
-            <a:spAutoFit/>
-          </a:bodyPr>
-          <a:lstStyle/>
-          <a:p>
-            <a:pPr algn="ctr"/>
-            <a:r>
-              <a:rPr lang="en-US" sz="1400" dirty="0"/>
-              <a:t>Amazon CloudWatch</a:t>
-            </a:r>
-          </a:p>
-        </p:txBody>
-      </p:sp>
-      <p:pic>
-        <p:nvPicPr>
-          <p:cNvPr id="92" name="Graphic 33">
-            <a:extLst>
-              <a:ext uri="{FF2B5EF4-FFF2-40B4-BE49-F238E27FC236}">
-                <a16:creationId xmlns:a16="http://schemas.microsoft.com/office/drawing/2014/main" id="{D0CF6683-FF1A-8241-9641-EBCC6C7019DD}"/>
-              </a:ext>
-            </a:extLst>
-          </p:cNvPr>
-          <p:cNvPicPr>
-            <a:picLocks noChangeAspect="1"/>
-          </p:cNvPicPr>
-          <p:nvPr/>
-        </p:nvPicPr>
-        <p:blipFill>
-          <a:blip r:embed="rId4">
-            <a:extLst>
-              <a:ext uri="{96DAC541-7B7A-43D3-8B79-37D633B846F1}">
-                <asvg:svgBlip xmlns:asvg="http://schemas.microsoft.com/office/drawing/2016/SVG/main" r:embed="rId5"/>
-              </a:ext>
-            </a:extLst>
-          </a:blip>
-          <a:stretch>
-            <a:fillRect/>
-          </a:stretch>
-        </p:blipFill>
-        <p:spPr>
-          <a:xfrm>
-            <a:off x="7818120" y="3466676"/>
-            <a:ext cx="711200" cy="711200"/>
-          </a:xfrm>
-          <a:prstGeom prst="rect">
-            <a:avLst/>
-          </a:prstGeom>
-        </p:spPr>
-      </p:pic>
-      <p:cxnSp>
-        <p:nvCxnSpPr>
-          <p:cNvPr id="93" name="Straight Arrow Connector 92">
-            <a:extLst>
-              <a:ext uri="{FF2B5EF4-FFF2-40B4-BE49-F238E27FC236}">
-                <a16:creationId xmlns:a16="http://schemas.microsoft.com/office/drawing/2014/main" id="{2825F7FB-7E96-6944-88CC-4B113DB77973}"/>
-              </a:ext>
-            </a:extLst>
-          </p:cNvPr>
-          <p:cNvCxnSpPr>
-            <a:stCxn id="282" idx="3"/>
-            <a:endCxn id="92" idx="1"/>
-          </p:cNvCxnSpPr>
-          <p:nvPr/>
-        </p:nvCxnSpPr>
-        <p:spPr>
-          <a:xfrm flipV="1">
-            <a:off x="6220654" y="3822276"/>
-            <a:ext cx="1597466" cy="4458"/>
-          </a:xfrm>
-          <a:prstGeom prst="straightConnector1">
-            <a:avLst/>
-          </a:prstGeom>
-          <a:ln w="12700">
-            <a:solidFill>
-              <a:srgbClr val="545B64"/>
-            </a:solidFill>
-            <a:headEnd type="none" w="med" len="sm"/>
-            <a:tailEnd type="arrow" w="med" len="sm"/>
-          </a:ln>
-        </p:spPr>
-        <p:style>
-          <a:lnRef idx="1">
-            <a:schemeClr val="accent1"/>
-          </a:lnRef>
-          <a:fillRef idx="0">
-            <a:schemeClr val="accent1"/>
-          </a:fillRef>
-          <a:effectRef idx="0">
-            <a:schemeClr val="accent1"/>
-          </a:effectRef>
-          <a:fontRef idx="minor">
-            <a:schemeClr val="tx1"/>
-          </a:fontRef>
-        </p:style>
-      </p:cxnSp>
-      <p:cxnSp>
-        <p:nvCxnSpPr>
-          <p:cNvPr id="95" name="Elbow Connector 94">
-            <a:extLst>
-              <a:ext uri="{FF2B5EF4-FFF2-40B4-BE49-F238E27FC236}">
-                <a16:creationId xmlns:a16="http://schemas.microsoft.com/office/drawing/2014/main" id="{3FF4C1B0-A42E-6A45-857A-FA30725FC500}"/>
-              </a:ext>
-            </a:extLst>
-          </p:cNvPr>
-          <p:cNvCxnSpPr>
-            <a:cxnSpLocks/>
-            <a:stCxn id="92" idx="3"/>
-          </p:cNvCxnSpPr>
-          <p:nvPr/>
-        </p:nvCxnSpPr>
-        <p:spPr>
-          <a:xfrm>
-            <a:off x="8529320" y="3822276"/>
-            <a:ext cx="1055673" cy="1424601"/>
-          </a:xfrm>
-          <a:prstGeom prst="bentConnector2">
-            <a:avLst/>
-          </a:prstGeom>
-          <a:ln w="12700">
-            <a:solidFill>
-              <a:srgbClr val="545B64"/>
-            </a:solidFill>
-            <a:headEnd type="none" w="med" len="sm"/>
-            <a:tailEnd type="none" w="med" len="sm"/>
-          </a:ln>
-        </p:spPr>
-        <p:style>
-          <a:lnRef idx="1">
-            <a:schemeClr val="accent1"/>
-          </a:lnRef>
-          <a:fillRef idx="0">
-            <a:schemeClr val="accent1"/>
-          </a:fillRef>
-          <a:effectRef idx="0">
-            <a:schemeClr val="accent1"/>
-          </a:effectRef>
-          <a:fontRef idx="minor">
-            <a:schemeClr val="tx1"/>
-          </a:fontRef>
-        </p:style>
-      </p:cxnSp>
+        </p:grpSpPr>
+        <p:sp>
+          <p:nvSpPr>
+            <p:cNvPr id="271" name="TextBox 270">
+              <a:extLst>
+                <a:ext uri="{FF2B5EF4-FFF2-40B4-BE49-F238E27FC236}">
+                  <a16:creationId xmlns:a16="http://schemas.microsoft.com/office/drawing/2014/main" id="{00A02392-8B1A-E94C-826A-23B684074EB7}"/>
+                </a:ext>
+              </a:extLst>
+            </p:cNvPr>
+            <p:cNvSpPr txBox="1"/>
+            <p:nvPr/>
+          </p:nvSpPr>
+          <p:spPr>
+            <a:xfrm>
+              <a:off x="4977267" y="4192206"/>
+              <a:ext cx="1761064" cy="307777"/>
+            </a:xfrm>
+            <a:prstGeom prst="rect">
+              <a:avLst/>
+            </a:prstGeom>
+            <a:noFill/>
+          </p:spPr>
+          <p:txBody>
+            <a:bodyPr wrap="square" rtlCol="0">
+              <a:spAutoFit/>
+            </a:bodyPr>
+            <a:lstStyle/>
+            <a:p>
+              <a:pPr algn="ctr"/>
+              <a:r>
+                <a:rPr lang="en-US" sz="1400" dirty="0"/>
+                <a:t>AWS Security Hub </a:t>
+              </a:r>
+            </a:p>
+          </p:txBody>
+        </p:sp>
+        <p:pic>
+          <p:nvPicPr>
+            <p:cNvPr id="282" name="Graphic 35">
+              <a:extLst>
+                <a:ext uri="{FF2B5EF4-FFF2-40B4-BE49-F238E27FC236}">
+                  <a16:creationId xmlns:a16="http://schemas.microsoft.com/office/drawing/2014/main" id="{522E9833-29B0-9A41-9778-F6EB35FBAD88}"/>
+                </a:ext>
+              </a:extLst>
+            </p:cNvPr>
+            <p:cNvPicPr>
+              <a:picLocks noChangeAspect="1"/>
+            </p:cNvPicPr>
+            <p:nvPr/>
+          </p:nvPicPr>
+          <p:blipFill>
+            <a:blip r:embed="rId26">
+              <a:extLst>
+                <a:ext uri="{96DAC541-7B7A-43D3-8B79-37D633B846F1}">
+                  <asvg:svgBlip xmlns:asvg="http://schemas.microsoft.com/office/drawing/2016/SVG/main" xmlns="" r:embed="rId15"/>
+                </a:ext>
+              </a:extLst>
+            </a:blip>
+            <a:stretch>
+              <a:fillRect/>
+            </a:stretch>
+          </p:blipFill>
+          <p:spPr>
+            <a:xfrm>
+              <a:off x="5509454" y="3471134"/>
+              <a:ext cx="711200" cy="711200"/>
+            </a:xfrm>
+            <a:prstGeom prst="rect">
+              <a:avLst/>
+            </a:prstGeom>
+          </p:spPr>
+        </p:pic>
+        <p:sp>
+          <p:nvSpPr>
+            <p:cNvPr id="91" name="TextBox 90">
+              <a:extLst>
+                <a:ext uri="{FF2B5EF4-FFF2-40B4-BE49-F238E27FC236}">
+                  <a16:creationId xmlns:a16="http://schemas.microsoft.com/office/drawing/2014/main" id="{3459B608-8BEA-3341-BBBE-FB5C911C59BF}"/>
+                </a:ext>
+              </a:extLst>
+            </p:cNvPr>
+            <p:cNvSpPr txBox="1"/>
+            <p:nvPr/>
+          </p:nvSpPr>
+          <p:spPr>
+            <a:xfrm>
+              <a:off x="6998541" y="4193828"/>
+              <a:ext cx="2301904" cy="307777"/>
+            </a:xfrm>
+            <a:prstGeom prst="rect">
+              <a:avLst/>
+            </a:prstGeom>
+            <a:noFill/>
+          </p:spPr>
+          <p:txBody>
+            <a:bodyPr wrap="square" rtlCol="0">
+              <a:spAutoFit/>
+            </a:bodyPr>
+            <a:lstStyle/>
+            <a:p>
+              <a:pPr algn="ctr"/>
+              <a:r>
+                <a:rPr lang="en-US" sz="1400" dirty="0"/>
+                <a:t>Amazon CloudWatch</a:t>
+              </a:r>
+            </a:p>
+          </p:txBody>
+        </p:sp>
+        <p:pic>
+          <p:nvPicPr>
+            <p:cNvPr id="92" name="Graphic 33">
+              <a:extLst>
+                <a:ext uri="{FF2B5EF4-FFF2-40B4-BE49-F238E27FC236}">
+                  <a16:creationId xmlns:a16="http://schemas.microsoft.com/office/drawing/2014/main" id="{D0CF6683-FF1A-8241-9641-EBCC6C7019DD}"/>
+                </a:ext>
+              </a:extLst>
+            </p:cNvPr>
+            <p:cNvPicPr>
+              <a:picLocks noChangeAspect="1"/>
+            </p:cNvPicPr>
+            <p:nvPr/>
+          </p:nvPicPr>
+          <p:blipFill>
+            <a:blip r:embed="rId4">
+              <a:extLst>
+                <a:ext uri="{96DAC541-7B7A-43D3-8B79-37D633B846F1}">
+                  <asvg:svgBlip xmlns:asvg="http://schemas.microsoft.com/office/drawing/2016/SVG/main" xmlns="" r:embed="rId5"/>
+                </a:ext>
+              </a:extLst>
+            </a:blip>
+            <a:stretch>
+              <a:fillRect/>
+            </a:stretch>
+          </p:blipFill>
+          <p:spPr>
+            <a:xfrm>
+              <a:off x="7818120" y="3466676"/>
+              <a:ext cx="711200" cy="711200"/>
+            </a:xfrm>
+            <a:prstGeom prst="rect">
+              <a:avLst/>
+            </a:prstGeom>
+          </p:spPr>
+        </p:pic>
+        <p:cxnSp>
+          <p:nvCxnSpPr>
+            <p:cNvPr id="93" name="Straight Arrow Connector 92">
+              <a:extLst>
+                <a:ext uri="{FF2B5EF4-FFF2-40B4-BE49-F238E27FC236}">
+                  <a16:creationId xmlns:a16="http://schemas.microsoft.com/office/drawing/2014/main" id="{2825F7FB-7E96-6944-88CC-4B113DB77973}"/>
+                </a:ext>
+              </a:extLst>
+            </p:cNvPr>
+            <p:cNvCxnSpPr>
+              <a:stCxn id="282" idx="3"/>
+              <a:endCxn id="92" idx="1"/>
+            </p:cNvCxnSpPr>
+            <p:nvPr/>
+          </p:nvCxnSpPr>
+          <p:spPr>
+            <a:xfrm flipV="1">
+              <a:off x="6220654" y="3822276"/>
+              <a:ext cx="1597466" cy="4458"/>
+            </a:xfrm>
+            <a:prstGeom prst="straightConnector1">
+              <a:avLst/>
+            </a:prstGeom>
+            <a:ln w="12700">
+              <a:solidFill>
+                <a:srgbClr val="545B64"/>
+              </a:solidFill>
+              <a:headEnd type="none" w="med" len="sm"/>
+              <a:tailEnd type="arrow" w="med" len="sm"/>
+            </a:ln>
+          </p:spPr>
+          <p:style>
+            <a:lnRef idx="1">
+              <a:schemeClr val="accent1"/>
+            </a:lnRef>
+            <a:fillRef idx="0">
+              <a:schemeClr val="accent1"/>
+            </a:fillRef>
+            <a:effectRef idx="0">
+              <a:schemeClr val="accent1"/>
+            </a:effectRef>
+            <a:fontRef idx="minor">
+              <a:schemeClr val="tx1"/>
+            </a:fontRef>
+          </p:style>
+        </p:cxnSp>
+      </p:grpSp>
       <p:sp>
         <p:nvSpPr>
           <p:cNvPr id="97" name="TextBox 96">
@@ -24328,7 +24224,7 @@
           </a:xfrm>
           <a:prstGeom prst="bentConnector3">
             <a:avLst>
-              <a:gd name="adj1" fmla="val 100941"/>
+              <a:gd name="adj1" fmla="val 100251"/>
             </a:avLst>
           </a:prstGeom>
           <a:ln w="12700">
@@ -24369,10 +24265,10 @@
           <p:nvPr/>
         </p:nvPicPr>
         <p:blipFill>
-          <a:blip r:embed="rId24">
+          <a:blip r:embed="rId27">
             <a:extLst>
               <a:ext uri="{96DAC541-7B7A-43D3-8B79-37D633B846F1}">
-                <asvg:svgBlip xmlns:asvg="http://schemas.microsoft.com/office/drawing/2016/SVG/main" r:embed="rId25"/>
+                <asvg:svgBlip xmlns:asvg="http://schemas.microsoft.com/office/drawing/2016/SVG/main" xmlns="" r:embed="rId28"/>
               </a:ext>
             </a:extLst>
           </a:blip>
@@ -24405,10 +24301,10 @@
           <p:nvPr/>
         </p:nvPicPr>
         <p:blipFill>
-          <a:blip r:embed="rId26">
+          <a:blip r:embed="rId29">
             <a:extLst>
               <a:ext uri="{96DAC541-7B7A-43D3-8B79-37D633B846F1}">
-                <asvg:svgBlip xmlns:asvg="http://schemas.microsoft.com/office/drawing/2016/SVG/main" r:embed="rId27"/>
+                <asvg:svgBlip xmlns:asvg="http://schemas.microsoft.com/office/drawing/2016/SVG/main" xmlns="" r:embed="rId30"/>
               </a:ext>
             </a:extLst>
           </a:blip>
@@ -24440,7 +24336,7 @@
           <p:nvPr/>
         </p:nvPicPr>
         <p:blipFill>
-          <a:blip r:embed="rId28">
+          <a:blip r:embed="rId31">
             <a:extLst>
               <a:ext uri="{28A0092B-C50C-407E-A947-70E740481C1C}">
                 <a14:useLocalDpi xmlns:a14="http://schemas.microsoft.com/office/drawing/2010/main" val="0"/>
@@ -24515,6 +24411,85 @@
             </a:solidFill>
             <a:headEnd type="none" w="med" len="sm"/>
             <a:tailEnd type="none" w="med" len="sm"/>
+          </a:ln>
+        </p:spPr>
+        <p:style>
+          <a:lnRef idx="1">
+            <a:schemeClr val="accent1"/>
+          </a:lnRef>
+          <a:fillRef idx="0">
+            <a:schemeClr val="accent1"/>
+          </a:fillRef>
+          <a:effectRef idx="0">
+            <a:schemeClr val="accent1"/>
+          </a:effectRef>
+          <a:fontRef idx="minor">
+            <a:schemeClr val="tx1"/>
+          </a:fontRef>
+        </p:style>
+      </p:cxnSp>
+      <p:cxnSp>
+        <p:nvCxnSpPr>
+          <p:cNvPr id="8" name="Straight Arrow Connector 7"/>
+          <p:cNvCxnSpPr>
+            <a:stCxn id="325" idx="3"/>
+          </p:cNvCxnSpPr>
+          <p:nvPr/>
+        </p:nvCxnSpPr>
+        <p:spPr>
+          <a:xfrm>
+            <a:off x="8536767" y="3760435"/>
+            <a:ext cx="3275505" cy="0"/>
+          </a:xfrm>
+          <a:prstGeom prst="straightConnector1">
+            <a:avLst/>
+          </a:prstGeom>
+          <a:ln w="12700">
+            <a:solidFill>
+              <a:srgbClr val="545B64"/>
+            </a:solidFill>
+            <a:headEnd type="none" w="med" len="sm"/>
+            <a:tailEnd type="arrow" w="med" len="sm"/>
+          </a:ln>
+        </p:spPr>
+        <p:style>
+          <a:lnRef idx="1">
+            <a:schemeClr val="accent1"/>
+          </a:lnRef>
+          <a:fillRef idx="0">
+            <a:schemeClr val="accent1"/>
+          </a:fillRef>
+          <a:effectRef idx="0">
+            <a:schemeClr val="accent1"/>
+          </a:effectRef>
+          <a:fontRef idx="minor">
+            <a:schemeClr val="tx1"/>
+          </a:fontRef>
+        </p:style>
+      </p:cxnSp>
+      <p:cxnSp>
+        <p:nvCxnSpPr>
+          <p:cNvPr id="10" name="Elbow Connector 9"/>
+          <p:cNvCxnSpPr>
+            <a:stCxn id="92" idx="3"/>
+            <a:endCxn id="84" idx="0"/>
+          </p:cNvCxnSpPr>
+          <p:nvPr/>
+        </p:nvCxnSpPr>
+        <p:spPr>
+          <a:xfrm>
+            <a:off x="8523689" y="5050070"/>
+            <a:ext cx="1886284" cy="1482557"/>
+          </a:xfrm>
+          <a:prstGeom prst="bentConnector2">
+            <a:avLst/>
+          </a:prstGeom>
+          <a:ln w="12700">
+            <a:solidFill>
+              <a:srgbClr val="545B64"/>
+            </a:solidFill>
+            <a:headEnd type="none" w="med" len="sm"/>
+            <a:tailEnd type="arrow" w="med" len="sm"/>
           </a:ln>
         </p:spPr>
         <p:style>

--- a/docs/deployment_guide/images/sumo-logic-archictecure-diagram.pptx
+++ b/docs/deployment_guide/images/sumo-logic-archictecure-diagram.pptx
@@ -22588,7 +22588,6 @@
           <p:cNvCxnSpPr>
             <a:cxnSpLocks/>
             <a:stCxn id="393" idx="3"/>
-            <a:endCxn id="398" idx="2"/>
           </p:cNvCxnSpPr>
           <p:nvPr/>
         </p:nvCxnSpPr>
@@ -22704,7 +22703,7 @@
         </p:nvSpPr>
         <p:spPr>
           <a:xfrm>
-            <a:off x="7025331" y="2837896"/>
+            <a:off x="7059765" y="1759348"/>
             <a:ext cx="2301904" cy="307777"/>
           </a:xfrm>
           <a:prstGeom prst="rect">
@@ -22744,7 +22743,7 @@
           <a:blip r:embed="rId4">
             <a:extLst>
               <a:ext uri="{96DAC541-7B7A-43D3-8B79-37D633B846F1}">
-                <asvg:svgBlip xmlns:asvg="http://schemas.microsoft.com/office/drawing/2016/SVG/main" xmlns="" r:embed="rId5"/>
+                <asvg:svgBlip xmlns="" xmlns:asvg="http://schemas.microsoft.com/office/drawing/2016/SVG/main" r:embed="rId5"/>
               </a:ext>
             </a:extLst>
           </a:blip>
@@ -22754,7 +22753,7 @@
         </p:blipFill>
         <p:spPr>
           <a:xfrm>
-            <a:off x="7825183" y="2118932"/>
+            <a:off x="7825183" y="934818"/>
             <a:ext cx="711200" cy="711200"/>
           </a:xfrm>
           <a:prstGeom prst="rect">
@@ -22816,7 +22815,7 @@
           <a:blip r:embed="rId6">
             <a:extLst>
               <a:ext uri="{96DAC541-7B7A-43D3-8B79-37D633B846F1}">
-                <asvg:svgBlip xmlns:asvg="http://schemas.microsoft.com/office/drawing/2016/SVG/main" xmlns="" r:embed="rId7"/>
+                <asvg:svgBlip xmlns="" xmlns:asvg="http://schemas.microsoft.com/office/drawing/2016/SVG/main" r:embed="rId7"/>
               </a:ext>
             </a:extLst>
           </a:blip>
@@ -22848,7 +22847,7 @@
         </p:nvSpPr>
         <p:spPr>
           <a:xfrm>
-            <a:off x="5147780" y="2724187"/>
+            <a:off x="5132958" y="5353992"/>
             <a:ext cx="1379273" cy="523220"/>
           </a:xfrm>
           <a:prstGeom prst="rect">
@@ -22896,7 +22895,7 @@
           <a:blip r:embed="rId8">
             <a:extLst>
               <a:ext uri="{96DAC541-7B7A-43D3-8B79-37D633B846F1}">
-                <asvg:svgBlip xmlns:asvg="http://schemas.microsoft.com/office/drawing/2016/SVG/main" xmlns="" r:embed="rId9"/>
+                <asvg:svgBlip xmlns="" xmlns:asvg="http://schemas.microsoft.com/office/drawing/2016/SVG/main" r:embed="rId9"/>
               </a:ext>
             </a:extLst>
           </a:blip>
@@ -22906,7 +22905,7 @@
         </p:blipFill>
         <p:spPr>
           <a:xfrm>
-            <a:off x="5556745" y="2164668"/>
+            <a:off x="5541923" y="4794473"/>
             <a:ext cx="588853" cy="588853"/>
           </a:xfrm>
           <a:prstGeom prst="rect">
@@ -22968,7 +22967,7 @@
           <a:blip r:embed="rId10">
             <a:extLst>
               <a:ext uri="{96DAC541-7B7A-43D3-8B79-37D633B846F1}">
-                <asvg:svgBlip xmlns:asvg="http://schemas.microsoft.com/office/drawing/2016/SVG/main" xmlns="" r:embed="rId11"/>
+                <asvg:svgBlip xmlns="" xmlns:asvg="http://schemas.microsoft.com/office/drawing/2016/SVG/main" r:embed="rId11"/>
               </a:ext>
             </a:extLst>
           </a:blip>
@@ -23040,7 +23039,7 @@
           <a:blip r:embed="rId12">
             <a:extLst>
               <a:ext uri="{96DAC541-7B7A-43D3-8B79-37D633B846F1}">
-                <asvg:svgBlip xmlns:asvg="http://schemas.microsoft.com/office/drawing/2016/SVG/main" xmlns="" r:embed="rId13"/>
+                <asvg:svgBlip xmlns="" xmlns:asvg="http://schemas.microsoft.com/office/drawing/2016/SVG/main" r:embed="rId13"/>
               </a:ext>
             </a:extLst>
           </a:blip>
@@ -23072,7 +23071,7 @@
         </p:nvSpPr>
         <p:spPr>
           <a:xfrm>
-            <a:off x="9379989" y="2677297"/>
+            <a:off x="9376849" y="1646965"/>
             <a:ext cx="2060057" cy="523220"/>
           </a:xfrm>
           <a:prstGeom prst="rect">
@@ -23131,7 +23130,7 @@
           <a:blip r:embed="rId14">
             <a:extLst>
               <a:ext uri="{96DAC541-7B7A-43D3-8B79-37D633B846F1}">
-                <asvg:svgBlip xmlns:asvg="http://schemas.microsoft.com/office/drawing/2016/SVG/main" xmlns="" r:embed="rId21"/>
+                <asvg:svgBlip xmlns="" xmlns:asvg="http://schemas.microsoft.com/office/drawing/2016/SVG/main" r:embed="rId21"/>
               </a:ext>
             </a:extLst>
           </a:blip>
@@ -23141,7 +23140,7 @@
         </p:blipFill>
         <p:spPr>
           <a:xfrm>
-            <a:off x="10175887" y="2224553"/>
+            <a:off x="10175887" y="1055468"/>
             <a:ext cx="469900" cy="469900"/>
           </a:xfrm>
           <a:prstGeom prst="rect">
@@ -23207,7 +23206,7 @@
           <a:blip r:embed="rId22">
             <a:extLst>
               <a:ext uri="{96DAC541-7B7A-43D3-8B79-37D633B846F1}">
-                <asvg:svgBlip xmlns:asvg="http://schemas.microsoft.com/office/drawing/2016/SVG/main" xmlns="" r:embed="rId23"/>
+                <asvg:svgBlip xmlns="" xmlns:asvg="http://schemas.microsoft.com/office/drawing/2016/SVG/main" r:embed="rId23"/>
               </a:ext>
             </a:extLst>
           </a:blip>
@@ -23225,112 +23224,6 @@
           </a:prstGeom>
         </p:spPr>
       </p:pic>
-      <p:sp>
-        <p:nvSpPr>
-          <p:cNvPr id="398" name="Freeform 397">
-            <a:extLst>
-              <a:ext uri="{FF2B5EF4-FFF2-40B4-BE49-F238E27FC236}">
-                <a16:creationId xmlns:a16="http://schemas.microsoft.com/office/drawing/2014/main" id="{31C3D1B0-0DA3-BF4D-A631-69FD5F72D9F0}"/>
-              </a:ext>
-            </a:extLst>
-          </p:cNvPr>
-          <p:cNvSpPr/>
-          <p:nvPr/>
-        </p:nvSpPr>
-        <p:spPr>
-          <a:xfrm>
-            <a:off x="10652247" y="2459095"/>
-            <a:ext cx="1160025" cy="4425283"/>
-          </a:xfrm>
-          <a:custGeom>
-            <a:avLst/>
-            <a:gdLst>
-              <a:gd name="connsiteX0" fmla="*/ 0 w 622300"/>
-              <a:gd name="connsiteY0" fmla="*/ 0 h 1574800"/>
-              <a:gd name="connsiteX1" fmla="*/ 622300 w 622300"/>
-              <a:gd name="connsiteY1" fmla="*/ 0 h 1574800"/>
-              <a:gd name="connsiteX2" fmla="*/ 622300 w 622300"/>
-              <a:gd name="connsiteY2" fmla="*/ 1574800 h 1574800"/>
-              <a:gd name="connsiteX3" fmla="*/ 482600 w 622300"/>
-              <a:gd name="connsiteY3" fmla="*/ 1574800 h 1574800"/>
-              <a:gd name="connsiteX4" fmla="*/ 0 w 622300"/>
-              <a:gd name="connsiteY4" fmla="*/ 1574800 h 1574800"/>
-              <a:gd name="connsiteX0" fmla="*/ 0 w 622300"/>
-              <a:gd name="connsiteY0" fmla="*/ 0 h 1574800"/>
-              <a:gd name="connsiteX1" fmla="*/ 622300 w 622300"/>
-              <a:gd name="connsiteY1" fmla="*/ 0 h 1574800"/>
-              <a:gd name="connsiteX2" fmla="*/ 622300 w 622300"/>
-              <a:gd name="connsiteY2" fmla="*/ 1574800 h 1574800"/>
-              <a:gd name="connsiteX3" fmla="*/ 482600 w 622300"/>
-              <a:gd name="connsiteY3" fmla="*/ 1574800 h 1574800"/>
-              <a:gd name="connsiteX0" fmla="*/ 0 w 622300"/>
-              <a:gd name="connsiteY0" fmla="*/ 0 h 1574800"/>
-              <a:gd name="connsiteX1" fmla="*/ 622300 w 622300"/>
-              <a:gd name="connsiteY1" fmla="*/ 0 h 1574800"/>
-              <a:gd name="connsiteX2" fmla="*/ 622300 w 622300"/>
-              <a:gd name="connsiteY2" fmla="*/ 1574800 h 1574800"/>
-            </a:gdLst>
-            <a:ahLst/>
-            <a:cxnLst>
-              <a:cxn ang="0">
-                <a:pos x="connsiteX0" y="connsiteY0"/>
-              </a:cxn>
-              <a:cxn ang="0">
-                <a:pos x="connsiteX1" y="connsiteY1"/>
-              </a:cxn>
-              <a:cxn ang="0">
-                <a:pos x="connsiteX2" y="connsiteY2"/>
-              </a:cxn>
-            </a:cxnLst>
-            <a:rect l="l" t="t" r="r" b="b"/>
-            <a:pathLst>
-              <a:path w="622300" h="1574800">
-                <a:moveTo>
-                  <a:pt x="0" y="0"/>
-                </a:moveTo>
-                <a:lnTo>
-                  <a:pt x="622300" y="0"/>
-                </a:lnTo>
-                <a:lnTo>
-                  <a:pt x="622300" y="1574800"/>
-                </a:lnTo>
-              </a:path>
-            </a:pathLst>
-          </a:custGeom>
-          <a:noFill/>
-          <a:ln w="12700">
-            <a:solidFill>
-              <a:srgbClr val="545B64"/>
-            </a:solidFill>
-          </a:ln>
-        </p:spPr>
-        <p:style>
-          <a:lnRef idx="2">
-            <a:schemeClr val="accent1">
-              <a:shade val="50000"/>
-            </a:schemeClr>
-          </a:lnRef>
-          <a:fillRef idx="1">
-            <a:schemeClr val="accent1"/>
-          </a:fillRef>
-          <a:effectRef idx="0">
-            <a:schemeClr val="accent1"/>
-          </a:effectRef>
-          <a:fontRef idx="minor">
-            <a:schemeClr val="lt1"/>
-          </a:fontRef>
-        </p:style>
-        <p:txBody>
-          <a:bodyPr rtlCol="0" anchor="ctr"/>
-          <a:lstStyle/>
-          <a:p>
-            <a:pPr algn="ctr"/>
-            <a:endParaRPr lang="en-US">
-              <a:latin typeface="+mj-lt"/>
-            </a:endParaRPr>
-          </a:p>
-        </p:txBody>
-      </p:sp>
       <p:cxnSp>
         <p:nvCxnSpPr>
           <p:cNvPr id="399" name="Straight Arrow Connector 398">
@@ -23394,52 +23287,6 @@
           <a:xfrm>
             <a:off x="7191318" y="-5228843"/>
             <a:ext cx="625415" cy="0"/>
-          </a:xfrm>
-          <a:prstGeom prst="straightConnector1">
-            <a:avLst/>
-          </a:prstGeom>
-          <a:ln w="12700">
-            <a:solidFill>
-              <a:srgbClr val="545B64"/>
-            </a:solidFill>
-            <a:headEnd type="none" w="med" len="sm"/>
-            <a:tailEnd type="arrow" w="med" len="sm"/>
-          </a:ln>
-        </p:spPr>
-        <p:style>
-          <a:lnRef idx="1">
-            <a:schemeClr val="accent1"/>
-          </a:lnRef>
-          <a:fillRef idx="0">
-            <a:schemeClr val="accent1"/>
-          </a:fillRef>
-          <a:effectRef idx="0">
-            <a:schemeClr val="accent1"/>
-          </a:effectRef>
-          <a:fontRef idx="minor">
-            <a:schemeClr val="tx1"/>
-          </a:fontRef>
-        </p:style>
-      </p:cxnSp>
-      <p:cxnSp>
-        <p:nvCxnSpPr>
-          <p:cNvPr id="432" name="Straight Arrow Connector 431">
-            <a:extLst>
-              <a:ext uri="{FF2B5EF4-FFF2-40B4-BE49-F238E27FC236}">
-                <a16:creationId xmlns:a16="http://schemas.microsoft.com/office/drawing/2014/main" id="{1B18CFCF-A05D-384A-B644-3CF9919019A7}"/>
-              </a:ext>
-            </a:extLst>
-          </p:cNvPr>
-          <p:cNvCxnSpPr>
-            <a:stCxn id="209" idx="3"/>
-            <a:endCxn id="203" idx="1"/>
-          </p:cNvCxnSpPr>
-          <p:nvPr/>
-        </p:nvCxnSpPr>
-        <p:spPr>
-          <a:xfrm>
-            <a:off x="6145598" y="2459095"/>
-            <a:ext cx="1679585" cy="15437"/>
           </a:xfrm>
           <a:prstGeom prst="straightConnector1">
             <a:avLst/>
@@ -23652,8 +23499,8 @@
           <p:nvPr/>
         </p:nvCxnSpPr>
         <p:spPr>
-          <a:xfrm flipV="1">
-            <a:off x="8536383" y="2459503"/>
+          <a:xfrm>
+            <a:off x="8536383" y="1290418"/>
             <a:ext cx="1639504" cy="0"/>
           </a:xfrm>
           <a:prstGeom prst="straightConnector1">
@@ -23690,7 +23537,7 @@
         </p:nvGrpSpPr>
         <p:grpSpPr>
           <a:xfrm>
-            <a:off x="5289225" y="3391236"/>
+            <a:off x="5289225" y="2222836"/>
             <a:ext cx="4066910" cy="1255889"/>
             <a:chOff x="5287207" y="4881708"/>
             <a:chExt cx="4066910" cy="1255889"/>
@@ -23750,7 +23597,7 @@
             <a:blip r:embed="rId24">
               <a:extLst>
                 <a:ext uri="{96DAC541-7B7A-43D3-8B79-37D633B846F1}">
-                  <asvg:svgBlip xmlns:asvg="http://schemas.microsoft.com/office/drawing/2016/SVG/main" xmlns="" r:embed="rId17"/>
+                  <asvg:svgBlip xmlns="" xmlns:asvg="http://schemas.microsoft.com/office/drawing/2016/SVG/main" r:embed="rId17"/>
                 </a:ext>
               </a:extLst>
             </a:blip>
@@ -23786,7 +23633,7 @@
             <a:blip r:embed="rId25">
               <a:extLst>
                 <a:ext uri="{96DAC541-7B7A-43D3-8B79-37D633B846F1}">
-                  <asvg:svgBlip xmlns:asvg="http://schemas.microsoft.com/office/drawing/2016/SVG/main" xmlns="" r:embed="rId19"/>
+                  <asvg:svgBlip xmlns="" xmlns:asvg="http://schemas.microsoft.com/office/drawing/2016/SVG/main" r:embed="rId19"/>
                 </a:ext>
               </a:extLst>
             </a:blip>
@@ -23914,52 +23761,6 @@
           </p:style>
         </p:cxnSp>
       </p:grpSp>
-      <p:cxnSp>
-        <p:nvCxnSpPr>
-          <p:cNvPr id="86" name="Elbow Connector 85">
-            <a:extLst>
-              <a:ext uri="{FF2B5EF4-FFF2-40B4-BE49-F238E27FC236}">
-                <a16:creationId xmlns:a16="http://schemas.microsoft.com/office/drawing/2014/main" id="{B7A5EA4E-F3FA-3F4B-8F73-4F312149E957}"/>
-              </a:ext>
-            </a:extLst>
-          </p:cNvPr>
-          <p:cNvCxnSpPr>
-            <a:cxnSpLocks/>
-            <a:stCxn id="205" idx="3"/>
-          </p:cNvCxnSpPr>
-          <p:nvPr/>
-        </p:nvCxnSpPr>
-        <p:spPr>
-          <a:xfrm>
-            <a:off x="6197600" y="1290418"/>
-            <a:ext cx="945652" cy="1189100"/>
-          </a:xfrm>
-          <a:prstGeom prst="bentConnector2">
-            <a:avLst/>
-          </a:prstGeom>
-          <a:ln w="12700">
-            <a:solidFill>
-              <a:srgbClr val="545B64"/>
-            </a:solidFill>
-            <a:headEnd type="none" w="med" len="sm"/>
-            <a:tailEnd type="none" w="med" len="sm"/>
-          </a:ln>
-        </p:spPr>
-        <p:style>
-          <a:lnRef idx="1">
-            <a:schemeClr val="accent1"/>
-          </a:lnRef>
-          <a:fillRef idx="0">
-            <a:schemeClr val="accent1"/>
-          </a:fillRef>
-          <a:effectRef idx="0">
-            <a:schemeClr val="accent1"/>
-          </a:effectRef>
-          <a:fontRef idx="minor">
-            <a:schemeClr val="tx1"/>
-          </a:fontRef>
-        </p:style>
-      </p:cxnSp>
       <p:grpSp>
         <p:nvGrpSpPr>
           <p:cNvPr id="6" name="Group 5"/>
@@ -23968,7 +23769,7 @@
         </p:nvGrpSpPr>
         <p:grpSpPr>
           <a:xfrm>
-            <a:off x="4971636" y="4694470"/>
+            <a:off x="4971636" y="3564170"/>
             <a:ext cx="4323178" cy="1034929"/>
             <a:chOff x="4977267" y="3466676"/>
             <a:chExt cx="4323178" cy="1034929"/>
@@ -24028,7 +23829,7 @@
             <a:blip r:embed="rId26">
               <a:extLst>
                 <a:ext uri="{96DAC541-7B7A-43D3-8B79-37D633B846F1}">
-                  <asvg:svgBlip xmlns:asvg="http://schemas.microsoft.com/office/drawing/2016/SVG/main" xmlns="" r:embed="rId15"/>
+                  <asvg:svgBlip xmlns="" xmlns:asvg="http://schemas.microsoft.com/office/drawing/2016/SVG/main" r:embed="rId15"/>
                 </a:ext>
               </a:extLst>
             </a:blip>
@@ -24100,7 +23901,7 @@
             <a:blip r:embed="rId4">
               <a:extLst>
                 <a:ext uri="{96DAC541-7B7A-43D3-8B79-37D633B846F1}">
-                  <asvg:svgBlip xmlns:asvg="http://schemas.microsoft.com/office/drawing/2016/SVG/main" xmlns="" r:embed="rId5"/>
+                  <asvg:svgBlip xmlns="" xmlns:asvg="http://schemas.microsoft.com/office/drawing/2016/SVG/main" r:embed="rId5"/>
                 </a:ext>
               </a:extLst>
             </a:blip>
@@ -24268,7 +24069,7 @@
           <a:blip r:embed="rId27">
             <a:extLst>
               <a:ext uri="{96DAC541-7B7A-43D3-8B79-37D633B846F1}">
-                <asvg:svgBlip xmlns:asvg="http://schemas.microsoft.com/office/drawing/2016/SVG/main" xmlns="" r:embed="rId28"/>
+                <asvg:svgBlip xmlns="" xmlns:asvg="http://schemas.microsoft.com/office/drawing/2016/SVG/main" r:embed="rId28"/>
               </a:ext>
             </a:extLst>
           </a:blip>
@@ -24304,7 +24105,7 @@
           <a:blip r:embed="rId29">
             <a:extLst>
               <a:ext uri="{96DAC541-7B7A-43D3-8B79-37D633B846F1}">
-                <asvg:svgBlip xmlns:asvg="http://schemas.microsoft.com/office/drawing/2016/SVG/main" xmlns="" r:embed="rId30"/>
+                <asvg:svgBlip xmlns="" xmlns:asvg="http://schemas.microsoft.com/office/drawing/2016/SVG/main" r:embed="rId30"/>
               </a:ext>
             </a:extLst>
           </a:blip>
@@ -24393,7 +24194,6 @@
           <p:cNvCxnSpPr>
             <a:cxnSpLocks/>
             <a:stCxn id="84" idx="3"/>
-            <a:endCxn id="398" idx="2"/>
           </p:cNvCxnSpPr>
           <p:nvPr/>
         </p:nvCxnSpPr>
@@ -24438,7 +24238,7 @@
         </p:nvCxnSpPr>
         <p:spPr>
           <a:xfrm>
-            <a:off x="8536767" y="3760435"/>
+            <a:off x="8536767" y="2592035"/>
             <a:ext cx="3275505" cy="0"/>
           </a:xfrm>
           <a:prstGeom prst="straightConnector1">
@@ -24478,8 +24278,8 @@
         </p:nvCxnSpPr>
         <p:spPr>
           <a:xfrm>
-            <a:off x="8523689" y="5050070"/>
-            <a:ext cx="1886284" cy="1482557"/>
+            <a:off x="8523689" y="3919770"/>
+            <a:ext cx="1886284" cy="2612857"/>
           </a:xfrm>
           <a:prstGeom prst="bentConnector2">
             <a:avLst/>
@@ -24490,6 +24290,124 @@
             </a:solidFill>
             <a:headEnd type="none" w="med" len="sm"/>
             <a:tailEnd type="arrow" w="med" len="sm"/>
+          </a:ln>
+        </p:spPr>
+        <p:style>
+          <a:lnRef idx="1">
+            <a:schemeClr val="accent1"/>
+          </a:lnRef>
+          <a:fillRef idx="0">
+            <a:schemeClr val="accent1"/>
+          </a:fillRef>
+          <a:effectRef idx="0">
+            <a:schemeClr val="accent1"/>
+          </a:effectRef>
+          <a:fontRef idx="minor">
+            <a:schemeClr val="tx1"/>
+          </a:fontRef>
+        </p:style>
+      </p:cxnSp>
+      <p:cxnSp>
+        <p:nvCxnSpPr>
+          <p:cNvPr id="4" name="Straight Arrow Connector 3"/>
+          <p:cNvCxnSpPr>
+            <a:stCxn id="205" idx="3"/>
+            <a:endCxn id="203" idx="1"/>
+          </p:cNvCxnSpPr>
+          <p:nvPr/>
+        </p:nvCxnSpPr>
+        <p:spPr>
+          <a:xfrm>
+            <a:off x="6197600" y="1290418"/>
+            <a:ext cx="1627583" cy="0"/>
+          </a:xfrm>
+          <a:prstGeom prst="straightConnector1">
+            <a:avLst/>
+          </a:prstGeom>
+          <a:ln w="12700">
+            <a:solidFill>
+              <a:srgbClr val="545B64"/>
+            </a:solidFill>
+            <a:headEnd type="none" w="med" len="sm"/>
+            <a:tailEnd type="arrow" w="med" len="sm"/>
+          </a:ln>
+        </p:spPr>
+        <p:style>
+          <a:lnRef idx="1">
+            <a:schemeClr val="accent1"/>
+          </a:lnRef>
+          <a:fillRef idx="0">
+            <a:schemeClr val="accent1"/>
+          </a:fillRef>
+          <a:effectRef idx="0">
+            <a:schemeClr val="accent1"/>
+          </a:effectRef>
+          <a:fontRef idx="minor">
+            <a:schemeClr val="tx1"/>
+          </a:fontRef>
+        </p:style>
+      </p:cxnSp>
+      <p:cxnSp>
+        <p:nvCxnSpPr>
+          <p:cNvPr id="9" name="Elbow Connector 8"/>
+          <p:cNvCxnSpPr>
+            <a:stCxn id="336" idx="3"/>
+          </p:cNvCxnSpPr>
+          <p:nvPr/>
+        </p:nvCxnSpPr>
+        <p:spPr>
+          <a:xfrm>
+            <a:off x="10645787" y="1290418"/>
+            <a:ext cx="1179242" cy="5718477"/>
+          </a:xfrm>
+          <a:prstGeom prst="bentConnector2">
+            <a:avLst/>
+          </a:prstGeom>
+          <a:ln w="12700">
+            <a:solidFill>
+              <a:srgbClr val="545B64"/>
+            </a:solidFill>
+            <a:headEnd type="none" w="med" len="sm"/>
+            <a:tailEnd type="none" w="med" len="sm"/>
+          </a:ln>
+        </p:spPr>
+        <p:style>
+          <a:lnRef idx="1">
+            <a:schemeClr val="accent1"/>
+          </a:lnRef>
+          <a:fillRef idx="0">
+            <a:schemeClr val="accent1"/>
+          </a:fillRef>
+          <a:effectRef idx="0">
+            <a:schemeClr val="accent1"/>
+          </a:effectRef>
+          <a:fontRef idx="minor">
+            <a:schemeClr val="tx1"/>
+          </a:fontRef>
+        </p:style>
+      </p:cxnSp>
+      <p:cxnSp>
+        <p:nvCxnSpPr>
+          <p:cNvPr id="12" name="Elbow Connector 11"/>
+          <p:cNvCxnSpPr>
+            <a:stCxn id="209" idx="3"/>
+          </p:cNvCxnSpPr>
+          <p:nvPr/>
+        </p:nvCxnSpPr>
+        <p:spPr>
+          <a:xfrm>
+            <a:off x="6130776" y="5088900"/>
+            <a:ext cx="1171218" cy="1795478"/>
+          </a:xfrm>
+          <a:prstGeom prst="bentConnector2">
+            <a:avLst/>
+          </a:prstGeom>
+          <a:ln w="12700">
+            <a:solidFill>
+              <a:srgbClr val="545B64"/>
+            </a:solidFill>
+            <a:headEnd type="none" w="med" len="sm"/>
+            <a:tailEnd type="none" w="med" len="sm"/>
           </a:ln>
         </p:spPr>
         <p:style>
